--- a/Documentation/D42_Bernsons_Final.pptx
+++ b/Documentation/D42_Bernsons_Final.pptx
@@ -206,7 +206,7 @@
           <a:p>
             <a:fld id="{3F1733C0-0C93-43EB-B8BE-2A46B220CE25}" type="datetimeFigureOut">
               <a:rPr lang="lv-LV" smtClean="0"/>
-              <a:t>18.06.2022</a:t>
+              <a:t>19.06.2022</a:t>
             </a:fld>
             <a:endParaRPr lang="lv-LV"/>
           </a:p>
@@ -558,6 +558,90 @@
 </p:notes>
 </file>
 
+<file path=ppt/notesSlides/notesSlide10.xml><?xml version="1.0" encoding="utf-8"?>
+<p:notes xmlns:a="http://schemas.openxmlformats.org/drawingml/2006/main" xmlns:r="http://schemas.openxmlformats.org/officeDocument/2006/relationships" xmlns:p="http://schemas.openxmlformats.org/presentationml/2006/main">
+  <p:cSld>
+    <p:spTree>
+      <p:nvGrpSpPr>
+        <p:cNvPr id="1" name=""/>
+        <p:cNvGrpSpPr/>
+        <p:nvPr/>
+      </p:nvGrpSpPr>
+      <p:grpSpPr>
+        <a:xfrm>
+          <a:off x="0" y="0"/>
+          <a:ext cx="0" cy="0"/>
+          <a:chOff x="0" y="0"/>
+          <a:chExt cx="0" cy="0"/>
+        </a:xfrm>
+      </p:grpSpPr>
+      <p:sp>
+        <p:nvSpPr>
+          <p:cNvPr id="2" name="Slide Image Placeholder 1"/>
+          <p:cNvSpPr>
+            <a:spLocks noGrp="1" noRot="1" noChangeAspect="1"/>
+          </p:cNvSpPr>
+          <p:nvPr>
+            <p:ph type="sldImg"/>
+          </p:nvPr>
+        </p:nvSpPr>
+        <p:spPr/>
+      </p:sp>
+      <p:sp>
+        <p:nvSpPr>
+          <p:cNvPr id="3" name="Notes Placeholder 2"/>
+          <p:cNvSpPr>
+            <a:spLocks noGrp="1"/>
+          </p:cNvSpPr>
+          <p:nvPr>
+            <p:ph type="body" idx="1"/>
+          </p:nvPr>
+        </p:nvSpPr>
+        <p:spPr/>
+        <p:txBody>
+          <a:bodyPr/>
+          <a:lstStyle/>
+          <a:p>
+            <a:endParaRPr lang="lv-LV" dirty="0"/>
+          </a:p>
+        </p:txBody>
+      </p:sp>
+      <p:sp>
+        <p:nvSpPr>
+          <p:cNvPr id="4" name="Slide Number Placeholder 3"/>
+          <p:cNvSpPr>
+            <a:spLocks noGrp="1"/>
+          </p:cNvSpPr>
+          <p:nvPr>
+            <p:ph type="sldNum" sz="quarter" idx="5"/>
+          </p:nvPr>
+        </p:nvSpPr>
+        <p:spPr/>
+        <p:txBody>
+          <a:bodyPr/>
+          <a:lstStyle/>
+          <a:p>
+            <a:fld id="{A44585A8-B2CD-446B-95C4-F9B5DAC435F2}" type="slidenum">
+              <a:rPr lang="lv-LV" smtClean="0"/>
+              <a:t>10</a:t>
+            </a:fld>
+            <a:endParaRPr lang="lv-LV"/>
+          </a:p>
+        </p:txBody>
+      </p:sp>
+    </p:spTree>
+    <p:extLst>
+      <p:ext uri="{BB962C8B-B14F-4D97-AF65-F5344CB8AC3E}">
+        <p14:creationId xmlns:p14="http://schemas.microsoft.com/office/powerpoint/2010/main" val="1078136157"/>
+      </p:ext>
+    </p:extLst>
+  </p:cSld>
+  <p:clrMapOvr>
+    <a:masterClrMapping/>
+  </p:clrMapOvr>
+</p:notes>
+</file>
+
 <file path=ppt/notesSlides/notesSlide2.xml><?xml version="1.0" encoding="utf-8"?>
 <p:notes xmlns:a="http://schemas.openxmlformats.org/drawingml/2006/main" xmlns:r="http://schemas.openxmlformats.org/officeDocument/2006/relationships" xmlns:p="http://schemas.openxmlformats.org/presentationml/2006/main">
   <p:cSld>
@@ -604,13 +688,27 @@
           <a:p>
             <a:r>
               <a:rPr lang="lv-LV" dirty="0"/>
-              <a:t>Es sistēmu izveidoju mācību un kvalifikācijas darba izveidošanas nolūkos jo es vēlējos apgūt jaunas tehnoloģijas ar praktisku piemēru kurš mani interesētu kā arī izveidot kvalifikācijas darbu priekš tehnikuma.</a:t>
+              <a:t>Projekta galvenie mērķi bija – apgūt jaunas tehnoloģijas kuras pašam interesē un iegūt pieredzi, kā arī izveidot kvalifikācijas darbu skolas pabeigšanas.</a:t>
             </a:r>
           </a:p>
           <a:p>
             <a:r>
               <a:rPr lang="lv-LV" dirty="0"/>
-              <a:t>Sistēmas īss apraksts ir, ka tas ir sociālais tīkls, kas dod lietotājiem brīvi veidot </a:t>
+              <a:t>Kādēļ sociālais tīkls – likās kā pašam interesants un </a:t>
+            </a:r>
+            <a:r>
+              <a:rPr lang="lv-LV" dirty="0" err="1"/>
+              <a:t>prakstisks</a:t>
+            </a:r>
+            <a:r>
+              <a:rPr lang="lv-LV" dirty="0"/>
+              <a:t> projekts ko censties izveidot kā ceļā varētu iegūt vērtīgu pieredzi.</a:t>
+            </a:r>
+          </a:p>
+          <a:p>
+            <a:r>
+              <a:rPr lang="lv-LV" dirty="0"/>
+              <a:t>Sistēmas īss apraksts - tas ir sociālais tīkls, kas dod lietotājiem brīvi veidot </a:t>
             </a:r>
             <a:r>
               <a:rPr lang="lv-LV" dirty="0" err="1"/>
@@ -984,7 +1082,18 @@
           <a:bodyPr/>
           <a:lstStyle/>
           <a:p>
-            <a:endParaRPr lang="lv-LV" dirty="0"/>
+            <a:r>
+              <a:rPr lang="lv-LV" dirty="0"/>
+              <a:t>Uz </a:t>
+            </a:r>
+            <a:r>
+              <a:rPr lang="lv-LV" dirty="0" err="1"/>
+              <a:t>erkāna</a:t>
+            </a:r>
+            <a:r>
+              <a:rPr lang="lv-LV" dirty="0"/>
+              <a:t> redzama ER diagramma, bet nedaudz vairāk pastāstīšu tabulu saišu shēmas slaidā.</a:t>
+            </a:r>
           </a:p>
         </p:txBody>
       </p:sp>
@@ -1070,7 +1179,7 @@
           <a:p>
             <a:r>
               <a:rPr lang="lv-LV" dirty="0"/>
-              <a:t>Datu plūsmas piemērs no brīža kad lietotājs meklē un kārto grupas.</a:t>
+              <a:t>Datu plūsmas piemērs kad lietotājs meklē un kārto grupas.</a:t>
             </a:r>
           </a:p>
           <a:p>
@@ -1167,8 +1276,25 @@
           <a:p>
             <a:r>
               <a:rPr lang="lv-LV" dirty="0"/>
-              <a:t>Reģistrēta lietotāja galvenās lapas piemērs</a:t>
-            </a:r>
+              <a:t>Praktiski visas tabulas ir saistītas ar lietotāju.</a:t>
+            </a:r>
+          </a:p>
+          <a:p>
+            <a:r>
+              <a:rPr lang="lv-LV" dirty="0"/>
+              <a:t>Var pievērst uzmanību ka lietotājam un grupām ir 2 </a:t>
+            </a:r>
+            <a:r>
+              <a:rPr lang="lv-LV" dirty="0" err="1"/>
+              <a:t>startptabulas</a:t>
+            </a:r>
+            <a:r>
+              <a:rPr lang="lv-LV" dirty="0"/>
+              <a:t>, kas nodrošina, ka lietotājs var pievienoties grupām kā biedrs kā arī tas var tikt pievienots kā grupas moderators.</a:t>
+            </a:r>
+          </a:p>
+          <a:p>
+            <a:endParaRPr lang="lv-LV" dirty="0"/>
           </a:p>
         </p:txBody>
       </p:sp>
@@ -1189,7 +1315,7 @@
           <a:p>
             <a:fld id="{A44585A8-B2CD-446B-95C4-F9B5DAC435F2}" type="slidenum">
               <a:rPr lang="lv-LV" smtClean="0"/>
-              <a:t>8</a:t>
+              <a:t>7</a:t>
             </a:fld>
             <a:endParaRPr lang="lv-LV"/>
           </a:p>
@@ -1198,7 +1324,7 @@
     </p:spTree>
     <p:extLst>
       <p:ext uri="{BB962C8B-B14F-4D97-AF65-F5344CB8AC3E}">
-        <p14:creationId xmlns:p14="http://schemas.microsoft.com/office/powerpoint/2010/main" val="4106284863"/>
+        <p14:creationId xmlns:p14="http://schemas.microsoft.com/office/powerpoint/2010/main" val="1535782422"/>
       </p:ext>
     </p:extLst>
   </p:cSld>
@@ -1252,7 +1378,10 @@
           <a:bodyPr/>
           <a:lstStyle/>
           <a:p>
-            <a:endParaRPr lang="lv-LV" dirty="0"/>
+            <a:r>
+              <a:rPr lang="lv-LV" dirty="0"/>
+              <a:t>Reģistrēta lietotāja galvenās lapas piemērs</a:t>
+            </a:r>
           </a:p>
         </p:txBody>
       </p:sp>
@@ -1273,7 +1402,7 @@
           <a:p>
             <a:fld id="{A44585A8-B2CD-446B-95C4-F9B5DAC435F2}" type="slidenum">
               <a:rPr lang="lv-LV" smtClean="0"/>
-              <a:t>9</a:t>
+              <a:t>8</a:t>
             </a:fld>
             <a:endParaRPr lang="lv-LV"/>
           </a:p>
@@ -1282,7 +1411,7 @@
     </p:spTree>
     <p:extLst>
       <p:ext uri="{BB962C8B-B14F-4D97-AF65-F5344CB8AC3E}">
-        <p14:creationId xmlns:p14="http://schemas.microsoft.com/office/powerpoint/2010/main" val="3282343512"/>
+        <p14:creationId xmlns:p14="http://schemas.microsoft.com/office/powerpoint/2010/main" val="4106284863"/>
       </p:ext>
     </p:extLst>
   </p:cSld>
@@ -1357,7 +1486,7 @@
           <a:p>
             <a:fld id="{A44585A8-B2CD-446B-95C4-F9B5DAC435F2}" type="slidenum">
               <a:rPr lang="lv-LV" smtClean="0"/>
-              <a:t>10</a:t>
+              <a:t>9</a:t>
             </a:fld>
             <a:endParaRPr lang="lv-LV"/>
           </a:p>
@@ -1366,7 +1495,7 @@
     </p:spTree>
     <p:extLst>
       <p:ext uri="{BB962C8B-B14F-4D97-AF65-F5344CB8AC3E}">
-        <p14:creationId xmlns:p14="http://schemas.microsoft.com/office/powerpoint/2010/main" val="1078136157"/>
+        <p14:creationId xmlns:p14="http://schemas.microsoft.com/office/powerpoint/2010/main" val="3282343512"/>
       </p:ext>
     </p:extLst>
   </p:cSld>
@@ -1525,7 +1654,7 @@
           <a:p>
             <a:fld id="{A0FB2429-BDAE-4A75-8676-1D9515EA8395}" type="datetimeFigureOut">
               <a:rPr lang="lv-LV" smtClean="0"/>
-              <a:t>18.06.2022</a:t>
+              <a:t>19.06.2022</a:t>
             </a:fld>
             <a:endParaRPr lang="lv-LV"/>
           </a:p>
@@ -1725,7 +1854,7 @@
           <a:p>
             <a:fld id="{A0FB2429-BDAE-4A75-8676-1D9515EA8395}" type="datetimeFigureOut">
               <a:rPr lang="lv-LV" smtClean="0"/>
-              <a:t>18.06.2022</a:t>
+              <a:t>19.06.2022</a:t>
             </a:fld>
             <a:endParaRPr lang="lv-LV"/>
           </a:p>
@@ -1935,7 +2064,7 @@
           <a:p>
             <a:fld id="{A0FB2429-BDAE-4A75-8676-1D9515EA8395}" type="datetimeFigureOut">
               <a:rPr lang="lv-LV" smtClean="0"/>
-              <a:t>18.06.2022</a:t>
+              <a:t>19.06.2022</a:t>
             </a:fld>
             <a:endParaRPr lang="lv-LV"/>
           </a:p>
@@ -2135,7 +2264,7 @@
           <a:p>
             <a:fld id="{A0FB2429-BDAE-4A75-8676-1D9515EA8395}" type="datetimeFigureOut">
               <a:rPr lang="lv-LV" smtClean="0"/>
-              <a:t>18.06.2022</a:t>
+              <a:t>19.06.2022</a:t>
             </a:fld>
             <a:endParaRPr lang="lv-LV"/>
           </a:p>
@@ -2411,7 +2540,7 @@
           <a:p>
             <a:fld id="{A0FB2429-BDAE-4A75-8676-1D9515EA8395}" type="datetimeFigureOut">
               <a:rPr lang="lv-LV" smtClean="0"/>
-              <a:t>18.06.2022</a:t>
+              <a:t>19.06.2022</a:t>
             </a:fld>
             <a:endParaRPr lang="lv-LV"/>
           </a:p>
@@ -2679,7 +2808,7 @@
           <a:p>
             <a:fld id="{A0FB2429-BDAE-4A75-8676-1D9515EA8395}" type="datetimeFigureOut">
               <a:rPr lang="lv-LV" smtClean="0"/>
-              <a:t>18.06.2022</a:t>
+              <a:t>19.06.2022</a:t>
             </a:fld>
             <a:endParaRPr lang="lv-LV"/>
           </a:p>
@@ -3094,7 +3223,7 @@
           <a:p>
             <a:fld id="{A0FB2429-BDAE-4A75-8676-1D9515EA8395}" type="datetimeFigureOut">
               <a:rPr lang="lv-LV" smtClean="0"/>
-              <a:t>18.06.2022</a:t>
+              <a:t>19.06.2022</a:t>
             </a:fld>
             <a:endParaRPr lang="lv-LV"/>
           </a:p>
@@ -3236,7 +3365,7 @@
           <a:p>
             <a:fld id="{A0FB2429-BDAE-4A75-8676-1D9515EA8395}" type="datetimeFigureOut">
               <a:rPr lang="lv-LV" smtClean="0"/>
-              <a:t>18.06.2022</a:t>
+              <a:t>19.06.2022</a:t>
             </a:fld>
             <a:endParaRPr lang="lv-LV"/>
           </a:p>
@@ -3349,7 +3478,7 @@
           <a:p>
             <a:fld id="{A0FB2429-BDAE-4A75-8676-1D9515EA8395}" type="datetimeFigureOut">
               <a:rPr lang="lv-LV" smtClean="0"/>
-              <a:t>18.06.2022</a:t>
+              <a:t>19.06.2022</a:t>
             </a:fld>
             <a:endParaRPr lang="lv-LV"/>
           </a:p>
@@ -3662,7 +3791,7 @@
           <a:p>
             <a:fld id="{A0FB2429-BDAE-4A75-8676-1D9515EA8395}" type="datetimeFigureOut">
               <a:rPr lang="lv-LV" smtClean="0"/>
-              <a:t>18.06.2022</a:t>
+              <a:t>19.06.2022</a:t>
             </a:fld>
             <a:endParaRPr lang="lv-LV"/>
           </a:p>
@@ -3951,7 +4080,7 @@
           <a:p>
             <a:fld id="{A0FB2429-BDAE-4A75-8676-1D9515EA8395}" type="datetimeFigureOut">
               <a:rPr lang="lv-LV" smtClean="0"/>
-              <a:t>18.06.2022</a:t>
+              <a:t>19.06.2022</a:t>
             </a:fld>
             <a:endParaRPr lang="lv-LV"/>
           </a:p>
@@ -4197,7 +4326,7 @@
           <a:p>
             <a:fld id="{A0FB2429-BDAE-4A75-8676-1D9515EA8395}" type="datetimeFigureOut">
               <a:rPr lang="lv-LV" smtClean="0"/>
-              <a:t>18.06.2022</a:t>
+              <a:t>19.06.2022</a:t>
             </a:fld>
             <a:endParaRPr lang="lv-LV"/>
           </a:p>
@@ -5069,7 +5198,7 @@
             </a:pPr>
             <a:r>
               <a:rPr lang="lv-LV" sz="2400" dirty="0"/>
-              <a:t>Izveidot sociālo tīklu, kas dod iespēju lietotājiem brīvi veidot un apskatīt grupas ar savu saturu.</a:t>
+              <a:t>Izveidot sociālo tīklu, kas dod iespēju lietotājiem brīvi veidot un apskatīt grupas kurām var pievienot savu saturu ar ko dalīties.</a:t>
             </a:r>
           </a:p>
           <a:p>
@@ -5096,13 +5225,7 @@
           <a:p>
             <a:r>
               <a:rPr lang="lv-LV" sz="2400" dirty="0"/>
-              <a:t>Rakstu vērtēšana</a:t>
-            </a:r>
-          </a:p>
-          <a:p>
-            <a:r>
-              <a:rPr lang="lv-LV" sz="2400" dirty="0"/>
-              <a:t>Rakstu apspriešana komentāros</a:t>
+              <a:t>Rakstu vērtēšana un apspriešana</a:t>
             </a:r>
           </a:p>
           <a:p>
@@ -5559,7 +5682,7 @@
         </p:blipFill>
         <p:spPr>
           <a:xfrm>
-            <a:off x="7737764" y="-310500"/>
+            <a:off x="7696199" y="-317427"/>
             <a:ext cx="4675909" cy="3653053"/>
           </a:xfrm>
           <a:prstGeom prst="rect">
@@ -6426,7 +6549,7 @@
             <p:nvPr/>
           </p:nvPicPr>
           <p:blipFill>
-            <a:blip r:embed="rId2">
+            <a:blip r:embed="rId3">
               <a:extLst>
                 <a:ext uri="{28A0092B-C50C-407E-A947-70E740481C1C}">
                   <a14:useLocalDpi xmlns:a14="http://schemas.microsoft.com/office/drawing/2010/main" val="0"/>
@@ -6463,7 +6586,7 @@
           <p:nvPr/>
         </p:nvPicPr>
         <p:blipFill>
-          <a:blip r:embed="rId3">
+          <a:blip r:embed="rId4">
             <a:extLst>
               <a:ext uri="{28A0092B-C50C-407E-A947-70E740481C1C}">
                 <a14:useLocalDpi xmlns:a14="http://schemas.microsoft.com/office/drawing/2010/main" val="0"/>
@@ -6753,12 +6876,14 @@
         </p:nvSpPr>
         <p:spPr/>
         <p:txBody>
-          <a:bodyPr anchor="b"/>
-          <a:lstStyle/>
-          <a:p>
-            <a:r>
-              <a:rPr lang="lv-LV" dirty="0"/>
-              <a:t>Vietnes ieejas informācija</a:t>
+          <a:bodyPr anchor="b">
+            <a:normAutofit/>
+          </a:bodyPr>
+          <a:lstStyle/>
+          <a:p>
+            <a:r>
+              <a:rPr lang="lv-LV" sz="5400" dirty="0"/>
+              <a:t>Saite - breddit.azurewebsites.net</a:t>
             </a:r>
           </a:p>
         </p:txBody>
@@ -6779,16 +6904,15 @@
             <p:ph idx="1"/>
           </p:nvPr>
         </p:nvSpPr>
-        <p:spPr/>
+        <p:spPr>
+          <a:xfrm>
+            <a:off x="838200" y="1825624"/>
+            <a:ext cx="4572000" cy="4667249"/>
+          </a:xfrm>
+        </p:spPr>
         <p:txBody>
           <a:bodyPr/>
           <a:lstStyle/>
-          <a:p>
-            <a:r>
-              <a:rPr lang="lv-LV" dirty="0"/>
-              <a:t>Saite - breddit.azurewebsites.net</a:t>
-            </a:r>
-          </a:p>
           <a:p>
             <a:r>
               <a:rPr lang="lv-LV" dirty="0" err="1"/>
@@ -6815,6 +6939,40 @@
               <a:buNone/>
             </a:pPr>
             <a:endParaRPr lang="lv-LV" dirty="0"/>
+          </a:p>
+          <a:p>
+            <a:pPr marL="0" indent="0">
+              <a:buNone/>
+            </a:pPr>
+            <a:endParaRPr lang="lv-LV" dirty="0"/>
+          </a:p>
+          <a:p>
+            <a:pPr marL="0" indent="0">
+              <a:buNone/>
+            </a:pPr>
+            <a:endParaRPr lang="lv-LV" dirty="0"/>
+          </a:p>
+          <a:p>
+            <a:endParaRPr lang="lv-LV" dirty="0"/>
+          </a:p>
+          <a:p>
+            <a:endParaRPr lang="lv-LV" dirty="0"/>
+          </a:p>
+          <a:p>
+            <a:r>
+              <a:rPr lang="lv-LV" dirty="0" err="1"/>
+              <a:t>Epasts</a:t>
+            </a:r>
+            <a:r>
+              <a:rPr lang="lv-LV" dirty="0"/>
+              <a:t> nav jāapstiprina</a:t>
+            </a:r>
+          </a:p>
+          <a:p>
+            <a:r>
+              <a:rPr lang="lv-LV" dirty="0"/>
+              <a:t>Paroles: 3+ simboli</a:t>
+            </a:r>
           </a:p>
         </p:txBody>
       </p:sp>
